--- a/MobileSuitDatabase/docs/画面レイアウト/モビルスーツ検索画面.pptx
+++ b/MobileSuitDatabase/docs/画面レイアウト/モビルスーツ検索画面.pptx
@@ -243,7 +243,7 @@
           <a:p>
             <a:fld id="{D4B91D3A-2976-438C-9474-F325429F297B}" type="datetimeFigureOut">
               <a:rPr kumimoji="1" lang="ja-JP" altLang="en-US" smtClean="0"/>
-              <a:t>2022/3/23</a:t>
+              <a:t>2022/4/5</a:t>
             </a:fld>
             <a:endParaRPr kumimoji="1" lang="ja-JP" altLang="en-US"/>
           </a:p>
@@ -445,7 +445,7 @@
           <a:p>
             <a:fld id="{D4B91D3A-2976-438C-9474-F325429F297B}" type="datetimeFigureOut">
               <a:rPr kumimoji="1" lang="ja-JP" altLang="en-US" smtClean="0"/>
-              <a:t>2022/3/23</a:t>
+              <a:t>2022/4/5</a:t>
             </a:fld>
             <a:endParaRPr kumimoji="1" lang="ja-JP" altLang="en-US"/>
           </a:p>
@@ -657,7 +657,7 @@
           <a:p>
             <a:fld id="{D4B91D3A-2976-438C-9474-F325429F297B}" type="datetimeFigureOut">
               <a:rPr kumimoji="1" lang="ja-JP" altLang="en-US" smtClean="0"/>
-              <a:t>2022/3/23</a:t>
+              <a:t>2022/4/5</a:t>
             </a:fld>
             <a:endParaRPr kumimoji="1" lang="ja-JP" altLang="en-US"/>
           </a:p>
@@ -859,7 +859,7 @@
           <a:p>
             <a:fld id="{D4B91D3A-2976-438C-9474-F325429F297B}" type="datetimeFigureOut">
               <a:rPr kumimoji="1" lang="ja-JP" altLang="en-US" smtClean="0"/>
-              <a:t>2022/3/23</a:t>
+              <a:t>2022/4/5</a:t>
             </a:fld>
             <a:endParaRPr kumimoji="1" lang="ja-JP" altLang="en-US"/>
           </a:p>
@@ -1103,7 +1103,7 @@
           <a:p>
             <a:fld id="{D4B91D3A-2976-438C-9474-F325429F297B}" type="datetimeFigureOut">
               <a:rPr kumimoji="1" lang="ja-JP" altLang="en-US" smtClean="0"/>
-              <a:t>2022/3/23</a:t>
+              <a:t>2022/4/5</a:t>
             </a:fld>
             <a:endParaRPr kumimoji="1" lang="ja-JP" altLang="en-US"/>
           </a:p>
@@ -1399,7 +1399,7 @@
           <a:p>
             <a:fld id="{D4B91D3A-2976-438C-9474-F325429F297B}" type="datetimeFigureOut">
               <a:rPr kumimoji="1" lang="ja-JP" altLang="en-US" smtClean="0"/>
-              <a:t>2022/3/23</a:t>
+              <a:t>2022/4/5</a:t>
             </a:fld>
             <a:endParaRPr kumimoji="1" lang="ja-JP" altLang="en-US"/>
           </a:p>
@@ -1830,7 +1830,7 @@
           <a:p>
             <a:fld id="{D4B91D3A-2976-438C-9474-F325429F297B}" type="datetimeFigureOut">
               <a:rPr kumimoji="1" lang="ja-JP" altLang="en-US" smtClean="0"/>
-              <a:t>2022/3/23</a:t>
+              <a:t>2022/4/5</a:t>
             </a:fld>
             <a:endParaRPr kumimoji="1" lang="ja-JP" altLang="en-US"/>
           </a:p>
@@ -1948,7 +1948,7 @@
           <a:p>
             <a:fld id="{D4B91D3A-2976-438C-9474-F325429F297B}" type="datetimeFigureOut">
               <a:rPr kumimoji="1" lang="ja-JP" altLang="en-US" smtClean="0"/>
-              <a:t>2022/3/23</a:t>
+              <a:t>2022/4/5</a:t>
             </a:fld>
             <a:endParaRPr kumimoji="1" lang="ja-JP" altLang="en-US"/>
           </a:p>
@@ -2043,7 +2043,7 @@
           <a:p>
             <a:fld id="{D4B91D3A-2976-438C-9474-F325429F297B}" type="datetimeFigureOut">
               <a:rPr kumimoji="1" lang="ja-JP" altLang="en-US" smtClean="0"/>
-              <a:t>2022/3/23</a:t>
+              <a:t>2022/4/5</a:t>
             </a:fld>
             <a:endParaRPr kumimoji="1" lang="ja-JP" altLang="en-US"/>
           </a:p>
@@ -2352,7 +2352,7 @@
           <a:p>
             <a:fld id="{D4B91D3A-2976-438C-9474-F325429F297B}" type="datetimeFigureOut">
               <a:rPr kumimoji="1" lang="ja-JP" altLang="en-US" smtClean="0"/>
-              <a:t>2022/3/23</a:t>
+              <a:t>2022/4/5</a:t>
             </a:fld>
             <a:endParaRPr kumimoji="1" lang="ja-JP" altLang="en-US"/>
           </a:p>
@@ -2609,7 +2609,7 @@
           <a:p>
             <a:fld id="{D4B91D3A-2976-438C-9474-F325429F297B}" type="datetimeFigureOut">
               <a:rPr kumimoji="1" lang="ja-JP" altLang="en-US" smtClean="0"/>
-              <a:t>2022/3/23</a:t>
+              <a:t>2022/4/5</a:t>
             </a:fld>
             <a:endParaRPr kumimoji="1" lang="ja-JP" altLang="en-US"/>
           </a:p>
@@ -2854,7 +2854,7 @@
           <a:p>
             <a:fld id="{D4B91D3A-2976-438C-9474-F325429F297B}" type="datetimeFigureOut">
               <a:rPr kumimoji="1" lang="ja-JP" altLang="en-US" smtClean="0"/>
-              <a:t>2022/3/23</a:t>
+              <a:t>2022/4/5</a:t>
             </a:fld>
             <a:endParaRPr kumimoji="1" lang="ja-JP" altLang="en-US"/>
           </a:p>
@@ -3289,7 +3289,7 @@
           <a:p>
             <a:r>
               <a:rPr kumimoji="1" lang="ja-JP" altLang="en-US" dirty="0"/>
-              <a:t>モビルスーツ検索</a:t>
+              <a:t>モビルスーツ</a:t>
             </a:r>
             <a:endParaRPr kumimoji="1" lang="ja-JP" altLang="en-US" sz="1800" kern="1200" dirty="0">
               <a:solidFill>

--- a/MobileSuitDatabase/docs/画面レイアウト/モビルスーツ検索画面.pptx
+++ b/MobileSuitDatabase/docs/画面レイアウト/モビルスーツ検索画面.pptx
@@ -3289,7 +3289,7 @@
           <a:p>
             <a:r>
               <a:rPr kumimoji="1" lang="ja-JP" altLang="en-US" dirty="0"/>
-              <a:t>モビルスーツ</a:t>
+              <a:t>モビルスーツ検索</a:t>
             </a:r>
             <a:endParaRPr kumimoji="1" lang="ja-JP" altLang="en-US" sz="1800" kern="1200" dirty="0">
               <a:solidFill>
